--- a/Questions/Question1/Question1_pp.pptx
+++ b/Questions/Question1/Question1_pp.pptx
@@ -107,6 +107,11 @@
       </a:defRPr>
     </a:lvl9pPr>
   </p:defaultTextStyle>
+  <p:extLst>
+    <p:ext uri="{EFAFB233-063F-42B5-8137-9DF3F51BA10A}">
+      <p15:sldGuideLst xmlns:p15="http://schemas.microsoft.com/office/powerpoint/2012/main"/>
+    </p:ext>
+  </p:extLst>
 </p:presentation>
 </file>
 
@@ -259,7 +264,7 @@
           <a:p>
             <a:fld id="{7E24C8F8-E69C-46B9-AA99-E52B02BBB3A7}" type="datetimeFigureOut">
               <a:rPr lang="en-ZA" smtClean="0"/>
-              <a:t>2023/11/26</a:t>
+              <a:t>2023/11/27</a:t>
             </a:fld>
             <a:endParaRPr lang="en-ZA"/>
           </a:p>
@@ -459,7 +464,7 @@
           <a:p>
             <a:fld id="{7E24C8F8-E69C-46B9-AA99-E52B02BBB3A7}" type="datetimeFigureOut">
               <a:rPr lang="en-ZA" smtClean="0"/>
-              <a:t>2023/11/26</a:t>
+              <a:t>2023/11/27</a:t>
             </a:fld>
             <a:endParaRPr lang="en-ZA"/>
           </a:p>
@@ -669,7 +674,7 @@
           <a:p>
             <a:fld id="{7E24C8F8-E69C-46B9-AA99-E52B02BBB3A7}" type="datetimeFigureOut">
               <a:rPr lang="en-ZA" smtClean="0"/>
-              <a:t>2023/11/26</a:t>
+              <a:t>2023/11/27</a:t>
             </a:fld>
             <a:endParaRPr lang="en-ZA"/>
           </a:p>
@@ -869,7 +874,7 @@
           <a:p>
             <a:fld id="{7E24C8F8-E69C-46B9-AA99-E52B02BBB3A7}" type="datetimeFigureOut">
               <a:rPr lang="en-ZA" smtClean="0"/>
-              <a:t>2023/11/26</a:t>
+              <a:t>2023/11/27</a:t>
             </a:fld>
             <a:endParaRPr lang="en-ZA"/>
           </a:p>
@@ -1145,7 +1150,7 @@
           <a:p>
             <a:fld id="{7E24C8F8-E69C-46B9-AA99-E52B02BBB3A7}" type="datetimeFigureOut">
               <a:rPr lang="en-ZA" smtClean="0"/>
-              <a:t>2023/11/26</a:t>
+              <a:t>2023/11/27</a:t>
             </a:fld>
             <a:endParaRPr lang="en-ZA"/>
           </a:p>
@@ -1413,7 +1418,7 @@
           <a:p>
             <a:fld id="{7E24C8F8-E69C-46B9-AA99-E52B02BBB3A7}" type="datetimeFigureOut">
               <a:rPr lang="en-ZA" smtClean="0"/>
-              <a:t>2023/11/26</a:t>
+              <a:t>2023/11/27</a:t>
             </a:fld>
             <a:endParaRPr lang="en-ZA"/>
           </a:p>
@@ -1828,7 +1833,7 @@
           <a:p>
             <a:fld id="{7E24C8F8-E69C-46B9-AA99-E52B02BBB3A7}" type="datetimeFigureOut">
               <a:rPr lang="en-ZA" smtClean="0"/>
-              <a:t>2023/11/26</a:t>
+              <a:t>2023/11/27</a:t>
             </a:fld>
             <a:endParaRPr lang="en-ZA"/>
           </a:p>
@@ -1970,7 +1975,7 @@
           <a:p>
             <a:fld id="{7E24C8F8-E69C-46B9-AA99-E52B02BBB3A7}" type="datetimeFigureOut">
               <a:rPr lang="en-ZA" smtClean="0"/>
-              <a:t>2023/11/26</a:t>
+              <a:t>2023/11/27</a:t>
             </a:fld>
             <a:endParaRPr lang="en-ZA"/>
           </a:p>
@@ -2083,7 +2088,7 @@
           <a:p>
             <a:fld id="{7E24C8F8-E69C-46B9-AA99-E52B02BBB3A7}" type="datetimeFigureOut">
               <a:rPr lang="en-ZA" smtClean="0"/>
-              <a:t>2023/11/26</a:t>
+              <a:t>2023/11/27</a:t>
             </a:fld>
             <a:endParaRPr lang="en-ZA"/>
           </a:p>
@@ -2396,7 +2401,7 @@
           <a:p>
             <a:fld id="{7E24C8F8-E69C-46B9-AA99-E52B02BBB3A7}" type="datetimeFigureOut">
               <a:rPr lang="en-ZA" smtClean="0"/>
-              <a:t>2023/11/26</a:t>
+              <a:t>2023/11/27</a:t>
             </a:fld>
             <a:endParaRPr lang="en-ZA"/>
           </a:p>
@@ -2685,7 +2690,7 @@
           <a:p>
             <a:fld id="{7E24C8F8-E69C-46B9-AA99-E52B02BBB3A7}" type="datetimeFigureOut">
               <a:rPr lang="en-ZA" smtClean="0"/>
-              <a:t>2023/11/26</a:t>
+              <a:t>2023/11/27</a:t>
             </a:fld>
             <a:endParaRPr lang="en-ZA"/>
           </a:p>
@@ -2928,7 +2933,7 @@
           <a:p>
             <a:fld id="{7E24C8F8-E69C-46B9-AA99-E52B02BBB3A7}" type="datetimeFigureOut">
               <a:rPr lang="en-ZA" smtClean="0"/>
-              <a:t>2023/11/26</a:t>
+              <a:t>2023/11/27</a:t>
             </a:fld>
             <a:endParaRPr lang="en-ZA"/>
           </a:p>
@@ -3355,10 +3360,10 @@
       </p:grpSpPr>
       <p:sp useBgFill="1">
         <p:nvSpPr>
-          <p:cNvPr id="14" name="Rectangle 13">
-            <a:extLst>
-              <a:ext uri="{FF2B5EF4-FFF2-40B4-BE49-F238E27FC236}">
-                <a16:creationId xmlns:a16="http://schemas.microsoft.com/office/drawing/2014/main" id="{022BDE4A-8A20-4A69-9C5A-581C82036A4D}"/>
+          <p:cNvPr id="26" name="Rectangle 25">
+            <a:extLst>
+              <a:ext uri="{FF2B5EF4-FFF2-40B4-BE49-F238E27FC236}">
+                <a16:creationId xmlns:a16="http://schemas.microsoft.com/office/drawing/2014/main" id="{99ED5833-B85B-4103-8A3B-CAB0308E6C15}"/>
               </a:ext>
               <a:ext uri="{C183D7F6-B498-43B3-948B-1728B52AA6E4}">
                 <adec:decorative xmlns:adec="http://schemas.microsoft.com/office/drawing/2017/decorative" val="1"/>
@@ -3431,8 +3436,8 @@
         </p:nvSpPr>
         <p:spPr>
           <a:xfrm>
-            <a:off x="1001684" y="170412"/>
-            <a:ext cx="10178934" cy="1328730"/>
+            <a:off x="1198181" y="560881"/>
+            <a:ext cx="9795638" cy="1114380"/>
           </a:xfrm>
         </p:spPr>
         <p:txBody>
@@ -3457,10 +3462,10 @@
       </p:sp>
       <p:pic>
         <p:nvPicPr>
-          <p:cNvPr id="9" name="Picture 8" descr="A graph with blue dots&#10;&#10;Description automatically generated">
-            <a:extLst>
-              <a:ext uri="{FF2B5EF4-FFF2-40B4-BE49-F238E27FC236}">
-                <a16:creationId xmlns:a16="http://schemas.microsoft.com/office/drawing/2014/main" id="{D5ECABBC-BE5F-DB4C-778A-C6DC2A2A9C32}"/>
+          <p:cNvPr id="7" name="Picture 6" descr="A graph with red dots&#10;&#10;Description automatically generated">
+            <a:extLst>
+              <a:ext uri="{FF2B5EF4-FFF2-40B4-BE49-F238E27FC236}">
+                <a16:creationId xmlns:a16="http://schemas.microsoft.com/office/drawing/2014/main" id="{53C2059A-262E-C46B-26EB-9FC41C07B84C}"/>
               </a:ext>
             </a:extLst>
           </p:cNvPr>
@@ -3469,7 +3474,7 @@
           </p:cNvPicPr>
           <p:nvPr/>
         </p:nvPicPr>
-        <p:blipFill rotWithShape="1">
+        <p:blipFill>
           <a:blip r:embed="rId2">
             <a:extLst>
               <a:ext uri="{28A0092B-C50C-407E-A947-70E740481C1C}">
@@ -3477,13 +3482,14 @@
               </a:ext>
             </a:extLst>
           </a:blip>
-          <a:srcRect l="7940" r="-5" b="-5"/>
-          <a:stretch/>
+          <a:stretch>
+            <a:fillRect/>
+          </a:stretch>
         </p:blipFill>
         <p:spPr>
           <a:xfrm>
-            <a:off x="198744" y="1966695"/>
-            <a:ext cx="5803323" cy="3890357"/>
+            <a:off x="312548" y="2743200"/>
+            <a:ext cx="5922327" cy="3560841"/>
           </a:xfrm>
           <a:prstGeom prst="rect">
             <a:avLst/>
@@ -3492,10 +3498,10 @@
       </p:pic>
       <p:pic>
         <p:nvPicPr>
-          <p:cNvPr id="5" name="Picture 4" descr="A graph with red dots&#10;&#10;Description automatically generated">
-            <a:extLst>
-              <a:ext uri="{FF2B5EF4-FFF2-40B4-BE49-F238E27FC236}">
-                <a16:creationId xmlns:a16="http://schemas.microsoft.com/office/drawing/2014/main" id="{6C318E9F-F356-B518-7357-EB873E794C26}"/>
+          <p:cNvPr id="4" name="Picture 3" descr="A graph with blue dots&#10;&#10;Description automatically generated">
+            <a:extLst>
+              <a:ext uri="{FF2B5EF4-FFF2-40B4-BE49-F238E27FC236}">
+                <a16:creationId xmlns:a16="http://schemas.microsoft.com/office/drawing/2014/main" id="{41F0A755-AEBF-F008-C2D5-F555F0DE72EA}"/>
               </a:ext>
             </a:extLst>
           </p:cNvPr>
@@ -3504,7 +3510,7 @@
           </p:cNvPicPr>
           <p:nvPr/>
         </p:nvPicPr>
-        <p:blipFill rotWithShape="1">
+        <p:blipFill>
           <a:blip r:embed="rId3">
             <a:extLst>
               <a:ext uri="{28A0092B-C50C-407E-A947-70E740481C1C}">
@@ -3512,13 +3518,14 @@
               </a:ext>
             </a:extLst>
           </a:blip>
-          <a:srcRect l="7940" r="-5" b="-5"/>
-          <a:stretch/>
+          <a:stretch>
+            <a:fillRect/>
+          </a:stretch>
         </p:blipFill>
         <p:spPr>
           <a:xfrm>
-            <a:off x="6091151" y="1966694"/>
-            <a:ext cx="5803323" cy="3890357"/>
+            <a:off x="5957125" y="2743200"/>
+            <a:ext cx="5922327" cy="3560841"/>
           </a:xfrm>
           <a:prstGeom prst="rect">
             <a:avLst/>
@@ -3598,10 +3605,10 @@
       </p:sp>
       <p:pic>
         <p:nvPicPr>
-          <p:cNvPr id="5" name="Content Placeholder 4" descr="A graph of a number of years&#10;&#10;Description automatically generated with medium confidence">
-            <a:extLst>
-              <a:ext uri="{FF2B5EF4-FFF2-40B4-BE49-F238E27FC236}">
-                <a16:creationId xmlns:a16="http://schemas.microsoft.com/office/drawing/2014/main" id="{9611C698-0B99-8CAB-49B1-DB44A51E03D1}"/>
+          <p:cNvPr id="7" name="Content Placeholder 6" descr="A graph of different colored lines&#10;&#10;Description automatically generated">
+            <a:extLst>
+              <a:ext uri="{FF2B5EF4-FFF2-40B4-BE49-F238E27FC236}">
+                <a16:creationId xmlns:a16="http://schemas.microsoft.com/office/drawing/2014/main" id="{36CEE308-EDF7-E6C1-4BFD-1CCFC3C1C1D6}"/>
               </a:ext>
             </a:extLst>
           </p:cNvPr>
@@ -3626,8 +3633,8 @@
         </p:blipFill>
         <p:spPr>
           <a:xfrm>
-            <a:off x="1779168" y="1427680"/>
-            <a:ext cx="8633663" cy="5328203"/>
+            <a:off x="1711173" y="1141891"/>
+            <a:ext cx="8769654" cy="5272816"/>
           </a:xfrm>
         </p:spPr>
       </p:pic>
@@ -3704,10 +3711,10 @@
       </p:sp>
       <p:pic>
         <p:nvPicPr>
-          <p:cNvPr id="5" name="Content Placeholder 4" descr="A graph of a market benchmark&#10;&#10;Description automatically generated">
-            <a:extLst>
-              <a:ext uri="{FF2B5EF4-FFF2-40B4-BE49-F238E27FC236}">
-                <a16:creationId xmlns:a16="http://schemas.microsoft.com/office/drawing/2014/main" id="{8794A0B2-A2B9-B1B5-DC50-68997DF8E41F}"/>
+          <p:cNvPr id="7" name="Content Placeholder 6" descr="A graph of a chart&#10;&#10;Description automatically generated with medium confidence">
+            <a:extLst>
+              <a:ext uri="{FF2B5EF4-FFF2-40B4-BE49-F238E27FC236}">
+                <a16:creationId xmlns:a16="http://schemas.microsoft.com/office/drawing/2014/main" id="{DDB77EC7-E3A7-4DB0-7FA6-71260DE3827D}"/>
               </a:ext>
             </a:extLst>
           </p:cNvPr>
@@ -3732,8 +3739,8 @@
         </p:blipFill>
         <p:spPr>
           <a:xfrm>
-            <a:off x="1853453" y="1357910"/>
-            <a:ext cx="8485094" cy="5236515"/>
+            <a:off x="1593964" y="1000946"/>
+            <a:ext cx="9004071" cy="5413761"/>
           </a:xfrm>
         </p:spPr>
       </p:pic>
@@ -3810,10 +3817,10 @@
       </p:sp>
       <p:pic>
         <p:nvPicPr>
-          <p:cNvPr id="5" name="Content Placeholder 4" descr="A graph of different colored lines&#10;&#10;Description automatically generated">
-            <a:extLst>
-              <a:ext uri="{FF2B5EF4-FFF2-40B4-BE49-F238E27FC236}">
-                <a16:creationId xmlns:a16="http://schemas.microsoft.com/office/drawing/2014/main" id="{D0697C43-DAD1-647E-8931-5C0C6B995270}"/>
+          <p:cNvPr id="7" name="Content Placeholder 6" descr="A graph showing different colored lines&#10;&#10;Description automatically generated">
+            <a:extLst>
+              <a:ext uri="{FF2B5EF4-FFF2-40B4-BE49-F238E27FC236}">
+                <a16:creationId xmlns:a16="http://schemas.microsoft.com/office/drawing/2014/main" id="{11E8AC1A-B1EF-E5D0-18F0-BC80B2EB24FC}"/>
               </a:ext>
             </a:extLst>
           </p:cNvPr>
@@ -3838,8 +3845,8 @@
         </p:blipFill>
         <p:spPr>
           <a:xfrm>
-            <a:off x="1799991" y="1119552"/>
-            <a:ext cx="8592015" cy="5302500"/>
+            <a:off x="1327124" y="1123360"/>
+            <a:ext cx="9537751" cy="5734640"/>
           </a:xfrm>
         </p:spPr>
       </p:pic>
